--- a/Final_slides/E11.pptx
+++ b/Final_slides/E11.pptx
@@ -316,7 +316,7 @@
           <a:p>
             <a:fld id="{FC0F5986-B409-4DD7-A776-A88461C99725}" type="datetimeFigureOut">
               <a:rPr lang="en-GB" smtClean="0"/>
-              <a:t>01/01/2024</a:t>
+              <a:t>02/01/2024</a:t>
             </a:fld>
             <a:endParaRPr lang="en-GB"/>
           </a:p>
@@ -514,7 +514,7 @@
           <a:p>
             <a:fld id="{FC0F5986-B409-4DD7-A776-A88461C99725}" type="datetimeFigureOut">
               <a:rPr lang="en-GB" smtClean="0"/>
-              <a:t>01/01/2024</a:t>
+              <a:t>02/01/2024</a:t>
             </a:fld>
             <a:endParaRPr lang="en-GB"/>
           </a:p>
@@ -722,7 +722,7 @@
           <a:p>
             <a:fld id="{FC0F5986-B409-4DD7-A776-A88461C99725}" type="datetimeFigureOut">
               <a:rPr lang="en-GB" smtClean="0"/>
-              <a:t>01/01/2024</a:t>
+              <a:t>02/01/2024</a:t>
             </a:fld>
             <a:endParaRPr lang="en-GB"/>
           </a:p>
@@ -920,7 +920,7 @@
           <a:p>
             <a:fld id="{FC0F5986-B409-4DD7-A776-A88461C99725}" type="datetimeFigureOut">
               <a:rPr lang="en-GB" smtClean="0"/>
-              <a:t>01/01/2024</a:t>
+              <a:t>02/01/2024</a:t>
             </a:fld>
             <a:endParaRPr lang="en-GB"/>
           </a:p>
@@ -1195,7 +1195,7 @@
           <a:p>
             <a:fld id="{FC0F5986-B409-4DD7-A776-A88461C99725}" type="datetimeFigureOut">
               <a:rPr lang="en-GB" smtClean="0"/>
-              <a:t>01/01/2024</a:t>
+              <a:t>02/01/2024</a:t>
             </a:fld>
             <a:endParaRPr lang="en-GB"/>
           </a:p>
@@ -1460,7 +1460,7 @@
           <a:p>
             <a:fld id="{FC0F5986-B409-4DD7-A776-A88461C99725}" type="datetimeFigureOut">
               <a:rPr lang="en-GB" smtClean="0"/>
-              <a:t>01/01/2024</a:t>
+              <a:t>02/01/2024</a:t>
             </a:fld>
             <a:endParaRPr lang="en-GB"/>
           </a:p>
@@ -1872,7 +1872,7 @@
           <a:p>
             <a:fld id="{FC0F5986-B409-4DD7-A776-A88461C99725}" type="datetimeFigureOut">
               <a:rPr lang="en-GB" smtClean="0"/>
-              <a:t>01/01/2024</a:t>
+              <a:t>02/01/2024</a:t>
             </a:fld>
             <a:endParaRPr lang="en-GB"/>
           </a:p>
@@ -2013,7 +2013,7 @@
           <a:p>
             <a:fld id="{FC0F5986-B409-4DD7-A776-A88461C99725}" type="datetimeFigureOut">
               <a:rPr lang="en-GB" smtClean="0"/>
-              <a:t>01/01/2024</a:t>
+              <a:t>02/01/2024</a:t>
             </a:fld>
             <a:endParaRPr lang="en-GB"/>
           </a:p>
@@ -2126,7 +2126,7 @@
           <a:p>
             <a:fld id="{FC0F5986-B409-4DD7-A776-A88461C99725}" type="datetimeFigureOut">
               <a:rPr lang="en-GB" smtClean="0"/>
-              <a:t>01/01/2024</a:t>
+              <a:t>02/01/2024</a:t>
             </a:fld>
             <a:endParaRPr lang="en-GB"/>
           </a:p>
@@ -2437,7 +2437,7 @@
           <a:p>
             <a:fld id="{FC0F5986-B409-4DD7-A776-A88461C99725}" type="datetimeFigureOut">
               <a:rPr lang="en-GB" smtClean="0"/>
-              <a:t>01/01/2024</a:t>
+              <a:t>02/01/2024</a:t>
             </a:fld>
             <a:endParaRPr lang="en-GB"/>
           </a:p>
@@ -2725,7 +2725,7 @@
           <a:p>
             <a:fld id="{FC0F5986-B409-4DD7-A776-A88461C99725}" type="datetimeFigureOut">
               <a:rPr lang="en-GB" smtClean="0"/>
-              <a:t>01/01/2024</a:t>
+              <a:t>02/01/2024</a:t>
             </a:fld>
             <a:endParaRPr lang="en-GB"/>
           </a:p>
@@ -2969,7 +2969,7 @@
           <a:p>
             <a:fld id="{FC0F5986-B409-4DD7-A776-A88461C99725}" type="datetimeFigureOut">
               <a:rPr lang="en-GB" smtClean="0"/>
-              <a:t>01/01/2024</a:t>
+              <a:t>02/01/2024</a:t>
             </a:fld>
             <a:endParaRPr lang="en-GB"/>
           </a:p>
@@ -3413,7 +3413,7 @@
                   <a:schemeClr val="bg1"/>
                 </a:solidFill>
               </a:rPr>
-              <a:t>Exercise 11</a:t>
+              <a:t>Exercise E11</a:t>
             </a:r>
           </a:p>
         </p:txBody>
@@ -3813,18 +3813,23 @@
           <a:lstStyle/>
           <a:p>
             <a:r>
-              <a:rPr lang="en-GB" dirty="0">
+              <a:rPr lang="en-GB">
                 <a:solidFill>
                   <a:schemeClr val="bg1"/>
                 </a:solidFill>
               </a:rPr>
-              <a:t>Exercise 11</a:t>
-            </a:r>
-          </a:p>
-        </p:txBody>
-      </p:sp>
-      <mc:AlternateContent xmlns:mc="http://schemas.openxmlformats.org/markup-compatibility/2006">
-        <mc:Choice xmlns:a14="http://schemas.microsoft.com/office/drawing/2010/main" Requires="a14">
+              <a:t>Exercise E11</a:t>
+            </a:r>
+            <a:endParaRPr lang="en-GB" dirty="0">
+              <a:solidFill>
+                <a:schemeClr val="bg1"/>
+              </a:solidFill>
+            </a:endParaRPr>
+          </a:p>
+        </p:txBody>
+      </p:sp>
+      <mc:AlternateContent xmlns:mc="http://schemas.openxmlformats.org/markup-compatibility/2006" xmlns:a14="http://schemas.microsoft.com/office/drawing/2010/main">
+        <mc:Choice Requires="a14">
           <p:sp>
             <p:nvSpPr>
               <p:cNvPr id="4" name="Content Placeholder 3">
@@ -5067,7 +5072,7 @@
             </p:txBody>
           </p:sp>
         </mc:Choice>
-        <mc:Fallback>
+        <mc:Fallback xmlns="">
           <p:sp>
             <p:nvSpPr>
               <p:cNvPr id="4" name="Content Placeholder 3">
